--- a/trunk/Seminario/NoSQL.pptx
+++ b/trunk/Seminario/NoSQL.pptx
@@ -15,6 +15,14 @@
     <p:sldId id="262" r:id="rId9"/>
     <p:sldId id="264" r:id="rId10"/>
     <p:sldId id="265" r:id="rId11"/>
+    <p:sldId id="266" r:id="rId12"/>
+    <p:sldId id="267" r:id="rId13"/>
+    <p:sldId id="268" r:id="rId14"/>
+    <p:sldId id="269" r:id="rId15"/>
+    <p:sldId id="270" r:id="rId16"/>
+    <p:sldId id="271" r:id="rId17"/>
+    <p:sldId id="272" r:id="rId18"/>
+    <p:sldId id="273" r:id="rId19"/>
   </p:sldIdLst>
   <p:sldSz cx="12188825" cy="6858000"/>
   <p:notesSz cx="6858000" cy="9144000"/>
@@ -113,6 +121,11 @@
       </a:defRPr>
     </a:lvl9pPr>
   </p:defaultTextStyle>
+  <p:extLst>
+    <p:ext uri="{EFAFB233-063F-42B5-8137-9DF3F51BA10A}">
+      <p15:sldGuideLst xmlns:p15="http://schemas.microsoft.com/office/powerpoint/2012/main"/>
+    </p:ext>
+  </p:extLst>
 </p:presentation>
 </file>
 
@@ -1094,7 +1107,7 @@
             <a:fld id="{B61BEF0D-F0BB-DE4B-95CE-6DB70DBA9567}" type="datetimeFigureOut">
               <a:rPr lang="en-US"/>
               <a:pPr/>
-              <a:t>3/21/2013</a:t>
+              <a:t>3/28/2013</a:t>
             </a:fld>
             <a:endParaRPr lang="en-US"/>
           </a:p>
@@ -2307,7 +2320,7 @@
             <a:fld id="{B61BEF0D-F0BB-DE4B-95CE-6DB70DBA9567}" type="datetimeFigureOut">
               <a:rPr lang="en-US"/>
               <a:pPr/>
-              <a:t>3/21/2013</a:t>
+              <a:t>3/28/2013</a:t>
             </a:fld>
             <a:endParaRPr lang="en-US"/>
           </a:p>
@@ -3432,7 +3445,7 @@
             <a:fld id="{B61BEF0D-F0BB-DE4B-95CE-6DB70DBA9567}" type="datetimeFigureOut">
               <a:rPr lang="en-US"/>
               <a:pPr/>
-              <a:t>3/21/2013</a:t>
+              <a:t>3/28/2013</a:t>
             </a:fld>
             <a:endParaRPr lang="en-US"/>
           </a:p>
@@ -4878,7 +4891,7 @@
             <a:fld id="{B61BEF0D-F0BB-DE4B-95CE-6DB70DBA9567}" type="datetimeFigureOut">
               <a:rPr lang="en-US"/>
               <a:pPr/>
-              <a:t>3/21/2013</a:t>
+              <a:t>3/28/2013</a:t>
             </a:fld>
             <a:endParaRPr lang="en-US"/>
           </a:p>
@@ -6003,7 +6016,7 @@
             <a:fld id="{B61BEF0D-F0BB-DE4B-95CE-6DB70DBA9567}" type="datetimeFigureOut">
               <a:rPr lang="en-US"/>
               <a:pPr/>
-              <a:t>3/21/2013</a:t>
+              <a:t>3/28/2013</a:t>
             </a:fld>
             <a:endParaRPr lang="en-US"/>
           </a:p>
@@ -7449,7 +7462,7 @@
             <a:fld id="{B61BEF0D-F0BB-DE4B-95CE-6DB70DBA9567}" type="datetimeFigureOut">
               <a:rPr lang="en-US"/>
               <a:pPr/>
-              <a:t>3/21/2013</a:t>
+              <a:t>3/28/2013</a:t>
             </a:fld>
             <a:endParaRPr lang="en-US"/>
           </a:p>
@@ -8553,7 +8566,7 @@
             <a:fld id="{B61BEF0D-F0BB-DE4B-95CE-6DB70DBA9567}" type="datetimeFigureOut">
               <a:rPr lang="en-US"/>
               <a:pPr/>
-              <a:t>3/21/2013</a:t>
+              <a:t>3/28/2013</a:t>
             </a:fld>
             <a:endParaRPr lang="en-US"/>
           </a:p>
@@ -9602,7 +9615,7 @@
             <a:fld id="{B61BEF0D-F0BB-DE4B-95CE-6DB70DBA9567}" type="datetimeFigureOut">
               <a:rPr lang="en-US"/>
               <a:pPr/>
-              <a:t>3/21/2013</a:t>
+              <a:t>3/28/2013</a:t>
             </a:fld>
             <a:endParaRPr lang="en-US"/>
           </a:p>
@@ -9941,7 +9954,7 @@
             <a:fld id="{B61BEF0D-F0BB-DE4B-95CE-6DB70DBA9567}" type="datetimeFigureOut">
               <a:rPr lang="en-US"/>
               <a:pPr/>
-              <a:t>3/21/2013</a:t>
+              <a:t>3/28/2013</a:t>
             </a:fld>
             <a:endParaRPr lang="en-US"/>
           </a:p>
@@ -11760,7 +11773,7 @@
             <a:fld id="{B61BEF0D-F0BB-DE4B-95CE-6DB70DBA9567}" type="datetimeFigureOut">
               <a:rPr lang="en-US"/>
               <a:pPr/>
-              <a:t>3/21/2013</a:t>
+              <a:t>3/28/2013</a:t>
             </a:fld>
             <a:endParaRPr lang="en-US"/>
           </a:p>
@@ -12926,7 +12939,7 @@
             <a:fld id="{B61BEF0D-F0BB-DE4B-95CE-6DB70DBA9567}" type="datetimeFigureOut">
               <a:rPr lang="en-US"/>
               <a:pPr/>
-              <a:t>3/21/2013</a:t>
+              <a:t>3/28/2013</a:t>
             </a:fld>
             <a:endParaRPr lang="en-US"/>
           </a:p>
@@ -14225,7 +14238,7 @@
             <a:fld id="{B61BEF0D-F0BB-DE4B-95CE-6DB70DBA9567}" type="datetimeFigureOut">
               <a:rPr lang="en-US"/>
               <a:pPr/>
-              <a:t>3/21/2013</a:t>
+              <a:t>3/28/2013</a:t>
             </a:fld>
             <a:endParaRPr lang="en-US"/>
           </a:p>
@@ -15217,7 +15230,7 @@
             <a:fld id="{B61BEF0D-F0BB-DE4B-95CE-6DB70DBA9567}" type="datetimeFigureOut">
               <a:rPr lang="en-US"/>
               <a:pPr/>
-              <a:t>3/21/2013</a:t>
+              <a:t>3/28/2013</a:t>
             </a:fld>
             <a:endParaRPr lang="en-US"/>
           </a:p>
@@ -15309,7 +15322,7 @@
             <a:fld id="{B61BEF0D-F0BB-DE4B-95CE-6DB70DBA9567}" type="datetimeFigureOut">
               <a:rPr lang="en-US"/>
               <a:pPr/>
-              <a:t>3/21/2013</a:t>
+              <a:t>3/28/2013</a:t>
             </a:fld>
             <a:endParaRPr lang="en-US"/>
           </a:p>
@@ -17297,7 +17310,7 @@
             <a:fld id="{B61BEF0D-F0BB-DE4B-95CE-6DB70DBA9567}" type="datetimeFigureOut">
               <a:rPr lang="en-US"/>
               <a:pPr/>
-              <a:t>3/21/2013</a:t>
+              <a:t>3/28/2013</a:t>
             </a:fld>
             <a:endParaRPr lang="en-US"/>
           </a:p>
@@ -18461,7 +18474,7 @@
             <a:fld id="{B61BEF0D-F0BB-DE4B-95CE-6DB70DBA9567}" type="datetimeFigureOut">
               <a:rPr lang="en-US"/>
               <a:pPr/>
-              <a:t>3/21/2013</a:t>
+              <a:t>3/28/2013</a:t>
             </a:fld>
             <a:endParaRPr lang="en-US"/>
           </a:p>
@@ -18671,7 +18684,7 @@
             <a:fld id="{B61BEF0D-F0BB-DE4B-95CE-6DB70DBA9567}" type="datetimeFigureOut">
               <a:rPr lang="en-US" smtClean="0"/>
               <a:pPr/>
-              <a:t>3/21/2013</a:t>
+              <a:t>3/28/2013</a:t>
             </a:fld>
             <a:endParaRPr lang="en-US" dirty="0"/>
           </a:p>
@@ -19254,7 +19267,11 @@
           <a:bodyPr/>
           <a:lstStyle/>
           <a:p>
-            <a:endParaRPr lang="pt-BR"/>
+            <a:r>
+              <a:rPr lang="pt-BR" dirty="0" smtClean="0"/>
+              <a:t>Criado por quem ?</a:t>
+            </a:r>
+            <a:endParaRPr lang="pt-BR" dirty="0"/>
           </a:p>
         </p:txBody>
       </p:sp>
@@ -19273,7 +19290,46 @@
           <a:bodyPr/>
           <a:lstStyle/>
           <a:p>
-            <a:endParaRPr lang="pt-BR"/>
+            <a:r>
+              <a:rPr lang="pt-BR" dirty="0"/>
+              <a:t>D</a:t>
+            </a:r>
+            <a:r>
+              <a:rPr lang="pt-BR" dirty="0" smtClean="0"/>
+              <a:t>esenvolvido </a:t>
+            </a:r>
+            <a:r>
+              <a:rPr lang="pt-BR" dirty="0"/>
+              <a:t>pelo </a:t>
+            </a:r>
+            <a:r>
+              <a:rPr lang="pt-BR" dirty="0" err="1" smtClean="0"/>
+              <a:t>Facebook</a:t>
+            </a:r>
+            <a:r>
+              <a:rPr lang="pt-BR" dirty="0" smtClean="0"/>
+              <a:t>.</a:t>
+            </a:r>
+          </a:p>
+          <a:p>
+            <a:pPr lvl="1"/>
+            <a:r>
+              <a:rPr lang="pt-BR" dirty="0" smtClean="0"/>
+              <a:t>Foi </a:t>
+            </a:r>
+            <a:r>
+              <a:rPr lang="pt-BR" dirty="0"/>
+              <a:t>liberado sob licença Open </a:t>
+            </a:r>
+            <a:r>
+              <a:rPr lang="pt-BR" dirty="0" err="1"/>
+              <a:t>Source</a:t>
+            </a:r>
+            <a:r>
+              <a:rPr lang="pt-BR" dirty="0"/>
+              <a:t> em julho de 2008. Cassandra começou como um projeto de incubação da Fundação Apache em janeiro de 2009. A primeira versão a ser lançada foi a 0.3 em março de 2010, encontrando-se atualmente na versão 1.1.6. </a:t>
+            </a:r>
+            <a:endParaRPr lang="pt-BR" dirty="0"/>
           </a:p>
         </p:txBody>
       </p:sp>
@@ -19294,6 +19350,1381 @@
       </p:par>
     </p:tnLst>
   </p:timing>
+</p:sld>
+</file>
+
+<file path=ppt/slides/slide11.xml><?xml version="1.0" encoding="utf-8"?>
+<p:sld xmlns:a="http://schemas.openxmlformats.org/drawingml/2006/main" xmlns:r="http://schemas.openxmlformats.org/officeDocument/2006/relationships" xmlns:p="http://schemas.openxmlformats.org/presentationml/2006/main">
+  <p:cSld>
+    <p:spTree>
+      <p:nvGrpSpPr>
+        <p:cNvPr id="1" name=""/>
+        <p:cNvGrpSpPr/>
+        <p:nvPr/>
+      </p:nvGrpSpPr>
+      <p:grpSpPr>
+        <a:xfrm>
+          <a:off x="0" y="0"/>
+          <a:ext cx="0" cy="0"/>
+          <a:chOff x="0" y="0"/>
+          <a:chExt cx="0" cy="0"/>
+        </a:xfrm>
+      </p:grpSpPr>
+      <p:sp>
+        <p:nvSpPr>
+          <p:cNvPr id="2" name="Title 1"/>
+          <p:cNvSpPr>
+            <a:spLocks noGrp="1"/>
+          </p:cNvSpPr>
+          <p:nvPr>
+            <p:ph type="title"/>
+          </p:nvPr>
+        </p:nvSpPr>
+        <p:spPr/>
+        <p:txBody>
+          <a:bodyPr/>
+          <a:lstStyle/>
+          <a:p>
+            <a:r>
+              <a:rPr lang="pt-BR" dirty="0" smtClean="0"/>
+              <a:t>Modelo de Dados</a:t>
+            </a:r>
+            <a:endParaRPr lang="pt-BR" dirty="0"/>
+          </a:p>
+        </p:txBody>
+      </p:sp>
+      <p:sp>
+        <p:nvSpPr>
+          <p:cNvPr id="3" name="Content Placeholder 2"/>
+          <p:cNvSpPr>
+            <a:spLocks noGrp="1"/>
+          </p:cNvSpPr>
+          <p:nvPr>
+            <p:ph idx="1"/>
+          </p:nvPr>
+        </p:nvSpPr>
+        <p:spPr>
+          <a:xfrm>
+            <a:off x="3180538" y="5988310"/>
+            <a:ext cx="8596668" cy="3880773"/>
+          </a:xfrm>
+        </p:spPr>
+        <p:txBody>
+          <a:bodyPr/>
+          <a:lstStyle/>
+          <a:p>
+            <a:endParaRPr lang="pt-BR" dirty="0" smtClean="0"/>
+          </a:p>
+          <a:p>
+            <a:endParaRPr lang="pt-BR" dirty="0"/>
+          </a:p>
+        </p:txBody>
+      </p:sp>
+      <p:pic>
+        <p:nvPicPr>
+          <p:cNvPr id="1026" name="Picture 2" descr="http://fabiorogeriosj.com.br/wp-content/uploads/2012/07/ambiente_cassandra1.jpg"/>
+          <p:cNvPicPr>
+            <a:picLocks noChangeAspect="1" noChangeArrowheads="1"/>
+          </p:cNvPicPr>
+          <p:nvPr/>
+        </p:nvPicPr>
+        <p:blipFill>
+          <a:blip r:embed="rId2">
+            <a:extLst>
+              <a:ext uri="{28A0092B-C50C-407E-A947-70E740481C1C}">
+                <a14:useLocalDpi xmlns:a14="http://schemas.microsoft.com/office/drawing/2010/main" val="0"/>
+              </a:ext>
+            </a:extLst>
+          </a:blip>
+          <a:srcRect/>
+          <a:stretch>
+            <a:fillRect/>
+          </a:stretch>
+        </p:blipFill>
+        <p:spPr bwMode="auto">
+          <a:xfrm>
+            <a:off x="677334" y="1530962"/>
+            <a:ext cx="7636588" cy="4856787"/>
+          </a:xfrm>
+          <a:prstGeom prst="rect">
+            <a:avLst/>
+          </a:prstGeom>
+          <a:noFill/>
+          <a:extLst>
+            <a:ext uri="{909E8E84-426E-40DD-AFC4-6F175D3DCCD1}">
+              <a14:hiddenFill xmlns:a14="http://schemas.microsoft.com/office/drawing/2010/main">
+                <a:solidFill>
+                  <a:srgbClr val="FFFFFF"/>
+                </a:solidFill>
+              </a14:hiddenFill>
+            </a:ext>
+          </a:extLst>
+        </p:spPr>
+      </p:pic>
+    </p:spTree>
+    <p:extLst>
+      <p:ext uri="{BB962C8B-B14F-4D97-AF65-F5344CB8AC3E}">
+        <p14:creationId xmlns:p14="http://schemas.microsoft.com/office/powerpoint/2010/main" val="98768814"/>
+      </p:ext>
+    </p:extLst>
+  </p:cSld>
+  <p:clrMapOvr>
+    <a:masterClrMapping/>
+  </p:clrMapOvr>
+  <p:timing>
+    <p:tnLst>
+      <p:par>
+        <p:cTn id="1" dur="indefinite" restart="never" nodeType="tmRoot"/>
+      </p:par>
+    </p:tnLst>
+  </p:timing>
+</p:sld>
+</file>
+
+<file path=ppt/slides/slide12.xml><?xml version="1.0" encoding="utf-8"?>
+<p:sld xmlns:a="http://schemas.openxmlformats.org/drawingml/2006/main" xmlns:r="http://schemas.openxmlformats.org/officeDocument/2006/relationships" xmlns:p="http://schemas.openxmlformats.org/presentationml/2006/main">
+  <p:cSld>
+    <p:spTree>
+      <p:nvGrpSpPr>
+        <p:cNvPr id="1" name=""/>
+        <p:cNvGrpSpPr/>
+        <p:nvPr/>
+      </p:nvGrpSpPr>
+      <p:grpSpPr>
+        <a:xfrm>
+          <a:off x="0" y="0"/>
+          <a:ext cx="0" cy="0"/>
+          <a:chOff x="0" y="0"/>
+          <a:chExt cx="0" cy="0"/>
+        </a:xfrm>
+      </p:grpSpPr>
+      <p:sp>
+        <p:nvSpPr>
+          <p:cNvPr id="2" name="Title 1"/>
+          <p:cNvSpPr>
+            <a:spLocks noGrp="1"/>
+          </p:cNvSpPr>
+          <p:nvPr>
+            <p:ph type="title"/>
+          </p:nvPr>
+        </p:nvSpPr>
+        <p:spPr/>
+        <p:txBody>
+          <a:bodyPr/>
+          <a:lstStyle/>
+          <a:p>
+            <a:r>
+              <a:rPr lang="pt-BR" dirty="0" smtClean="0"/>
+              <a:t>Modelo de Dados - Cluster</a:t>
+            </a:r>
+            <a:endParaRPr lang="pt-BR" dirty="0"/>
+          </a:p>
+        </p:txBody>
+      </p:sp>
+      <p:sp>
+        <p:nvSpPr>
+          <p:cNvPr id="3" name="Content Placeholder 2"/>
+          <p:cNvSpPr>
+            <a:spLocks noGrp="1"/>
+          </p:cNvSpPr>
+          <p:nvPr>
+            <p:ph idx="1"/>
+          </p:nvPr>
+        </p:nvSpPr>
+        <p:spPr/>
+        <p:txBody>
+          <a:bodyPr>
+            <a:normAutofit/>
+          </a:bodyPr>
+          <a:lstStyle/>
+          <a:p>
+            <a:r>
+              <a:rPr lang="pt-BR" dirty="0" smtClean="0"/>
+              <a:t>É </a:t>
+            </a:r>
+            <a:r>
+              <a:rPr lang="pt-BR" dirty="0"/>
+              <a:t>a estrutura mais externa do modelo </a:t>
+            </a:r>
+            <a:r>
+              <a:rPr lang="pt-BR" dirty="0" smtClean="0"/>
+              <a:t>Cassandra , </a:t>
+            </a:r>
+            <a:r>
+              <a:rPr lang="pt-BR" dirty="0"/>
+              <a:t>s</a:t>
+            </a:r>
+            <a:r>
+              <a:rPr lang="pt-BR" dirty="0" smtClean="0"/>
+              <a:t>endo </a:t>
+            </a:r>
+            <a:r>
+              <a:rPr lang="pt-BR" dirty="0"/>
+              <a:t>assim podemos entender que o cluster do Cassandra é o anel que faz a ligação entre todos os nós existentes para poder manter todos eles sincronizados e em operação</a:t>
+            </a:r>
+            <a:r>
+              <a:rPr lang="pt-BR" dirty="0" smtClean="0"/>
+              <a:t>.</a:t>
+            </a:r>
+          </a:p>
+        </p:txBody>
+      </p:sp>
+      <p:pic>
+        <p:nvPicPr>
+          <p:cNvPr id="4" name="Picture 2" descr="http://fabiorogeriosj.com.br/wp-content/uploads/2012/07/ambiente_cassandra1.jpg"/>
+          <p:cNvPicPr>
+            <a:picLocks noChangeAspect="1" noChangeArrowheads="1"/>
+          </p:cNvPicPr>
+          <p:nvPr/>
+        </p:nvPicPr>
+        <p:blipFill>
+          <a:blip r:embed="rId2">
+            <a:extLst>
+              <a:ext uri="{28A0092B-C50C-407E-A947-70E740481C1C}">
+                <a14:useLocalDpi xmlns:a14="http://schemas.microsoft.com/office/drawing/2010/main" val="0"/>
+              </a:ext>
+            </a:extLst>
+          </a:blip>
+          <a:srcRect/>
+          <a:stretch>
+            <a:fillRect/>
+          </a:stretch>
+        </p:blipFill>
+        <p:spPr bwMode="auto">
+          <a:xfrm>
+            <a:off x="2446128" y="3690462"/>
+            <a:ext cx="4635156" cy="2947909"/>
+          </a:xfrm>
+          <a:prstGeom prst="rect">
+            <a:avLst/>
+          </a:prstGeom>
+          <a:noFill/>
+          <a:extLst>
+            <a:ext uri="{909E8E84-426E-40DD-AFC4-6F175D3DCCD1}">
+              <a14:hiddenFill xmlns:a14="http://schemas.microsoft.com/office/drawing/2010/main">
+                <a:solidFill>
+                  <a:srgbClr val="FFFFFF"/>
+                </a:solidFill>
+              </a14:hiddenFill>
+            </a:ext>
+          </a:extLst>
+        </p:spPr>
+      </p:pic>
+    </p:spTree>
+    <p:extLst>
+      <p:ext uri="{BB962C8B-B14F-4D97-AF65-F5344CB8AC3E}">
+        <p14:creationId xmlns:p14="http://schemas.microsoft.com/office/powerpoint/2010/main" val="3833513414"/>
+      </p:ext>
+    </p:extLst>
+  </p:cSld>
+  <p:clrMapOvr>
+    <a:masterClrMapping/>
+  </p:clrMapOvr>
+  <p:timing>
+    <p:tnLst>
+      <p:par>
+        <p:cTn id="1" dur="indefinite" restart="never" nodeType="tmRoot"/>
+      </p:par>
+    </p:tnLst>
+  </p:timing>
+</p:sld>
+</file>
+
+<file path=ppt/slides/slide13.xml><?xml version="1.0" encoding="utf-8"?>
+<p:sld xmlns:a="http://schemas.openxmlformats.org/drawingml/2006/main" xmlns:r="http://schemas.openxmlformats.org/officeDocument/2006/relationships" xmlns:p="http://schemas.openxmlformats.org/presentationml/2006/main">
+  <p:cSld>
+    <p:spTree>
+      <p:nvGrpSpPr>
+        <p:cNvPr id="1" name=""/>
+        <p:cNvGrpSpPr/>
+        <p:nvPr/>
+      </p:nvGrpSpPr>
+      <p:grpSpPr>
+        <a:xfrm>
+          <a:off x="0" y="0"/>
+          <a:ext cx="0" cy="0"/>
+          <a:chOff x="0" y="0"/>
+          <a:chExt cx="0" cy="0"/>
+        </a:xfrm>
+      </p:grpSpPr>
+      <p:sp>
+        <p:nvSpPr>
+          <p:cNvPr id="2" name="Title 1"/>
+          <p:cNvSpPr>
+            <a:spLocks noGrp="1"/>
+          </p:cNvSpPr>
+          <p:nvPr>
+            <p:ph type="title"/>
+          </p:nvPr>
+        </p:nvSpPr>
+        <p:spPr/>
+        <p:txBody>
+          <a:bodyPr/>
+          <a:lstStyle/>
+          <a:p>
+            <a:r>
+              <a:rPr lang="pt-BR" dirty="0" smtClean="0"/>
+              <a:t>Modelo de Dados - </a:t>
+            </a:r>
+            <a:r>
+              <a:rPr lang="pt-BR" dirty="0" err="1" smtClean="0"/>
+              <a:t>Keyspace</a:t>
+            </a:r>
+            <a:endParaRPr lang="pt-BR" dirty="0"/>
+          </a:p>
+        </p:txBody>
+      </p:sp>
+      <p:sp>
+        <p:nvSpPr>
+          <p:cNvPr id="3" name="Content Placeholder 2"/>
+          <p:cNvSpPr>
+            <a:spLocks noGrp="1"/>
+          </p:cNvSpPr>
+          <p:nvPr>
+            <p:ph idx="1"/>
+          </p:nvPr>
+        </p:nvSpPr>
+        <p:spPr/>
+        <p:txBody>
+          <a:bodyPr/>
+          <a:lstStyle/>
+          <a:p>
+            <a:r>
+              <a:rPr lang="pt-BR" dirty="0" smtClean="0"/>
+              <a:t>Um </a:t>
+            </a:r>
+            <a:r>
+              <a:rPr lang="pt-BR" dirty="0" err="1"/>
+              <a:t>keyspace</a:t>
+            </a:r>
+            <a:r>
+              <a:rPr lang="pt-BR" dirty="0"/>
+              <a:t> é como se fosse o nome do banco de dados que será alocada as tabelas em um banco relacional. Aqui no Cassandra o </a:t>
+            </a:r>
+            <a:r>
+              <a:rPr lang="pt-BR" dirty="0" err="1"/>
+              <a:t>keyspace</a:t>
+            </a:r>
+            <a:r>
+              <a:rPr lang="pt-BR" dirty="0"/>
+              <a:t> é o recipiente mais externo dos dados, onde pode ser criado quantos </a:t>
+            </a:r>
+            <a:r>
+              <a:rPr lang="pt-BR" dirty="0" err="1"/>
+              <a:t>keyspace</a:t>
+            </a:r>
+            <a:r>
+              <a:rPr lang="pt-BR" dirty="0"/>
+              <a:t> quiser por cluster.</a:t>
+            </a:r>
+          </a:p>
+          <a:p>
+            <a:endParaRPr lang="pt-BR" dirty="0"/>
+          </a:p>
+          <a:p>
+            <a:pPr marL="457200" lvl="1" indent="0">
+              <a:buNone/>
+            </a:pPr>
+            <a:r>
+              <a:rPr lang="pt-BR" dirty="0"/>
+              <a:t>		</a:t>
+            </a:r>
+          </a:p>
+          <a:p>
+            <a:endParaRPr lang="pt-BR" dirty="0"/>
+          </a:p>
+          <a:p>
+            <a:endParaRPr lang="pt-BR" dirty="0"/>
+          </a:p>
+        </p:txBody>
+      </p:sp>
+      <p:pic>
+        <p:nvPicPr>
+          <p:cNvPr id="4" name="Picture 2" descr="http://fabiorogeriosj.com.br/wp-content/uploads/2012/07/ambiente_cassandra1.jpg"/>
+          <p:cNvPicPr>
+            <a:picLocks noChangeAspect="1" noChangeArrowheads="1"/>
+          </p:cNvPicPr>
+          <p:nvPr/>
+        </p:nvPicPr>
+        <p:blipFill>
+          <a:blip r:embed="rId2">
+            <a:extLst>
+              <a:ext uri="{28A0092B-C50C-407E-A947-70E740481C1C}">
+                <a14:useLocalDpi xmlns:a14="http://schemas.microsoft.com/office/drawing/2010/main" val="0"/>
+              </a:ext>
+            </a:extLst>
+          </a:blip>
+          <a:srcRect/>
+          <a:stretch>
+            <a:fillRect/>
+          </a:stretch>
+        </p:blipFill>
+        <p:spPr bwMode="auto">
+          <a:xfrm>
+            <a:off x="2531190" y="3742660"/>
+            <a:ext cx="4530617" cy="2881423"/>
+          </a:xfrm>
+          <a:prstGeom prst="rect">
+            <a:avLst/>
+          </a:prstGeom>
+          <a:noFill/>
+          <a:extLst>
+            <a:ext uri="{909E8E84-426E-40DD-AFC4-6F175D3DCCD1}">
+              <a14:hiddenFill xmlns:a14="http://schemas.microsoft.com/office/drawing/2010/main">
+                <a:solidFill>
+                  <a:srgbClr val="FFFFFF"/>
+                </a:solidFill>
+              </a14:hiddenFill>
+            </a:ext>
+          </a:extLst>
+        </p:spPr>
+      </p:pic>
+    </p:spTree>
+    <p:extLst>
+      <p:ext uri="{BB962C8B-B14F-4D97-AF65-F5344CB8AC3E}">
+        <p14:creationId xmlns:p14="http://schemas.microsoft.com/office/powerpoint/2010/main" val="3599391131"/>
+      </p:ext>
+    </p:extLst>
+  </p:cSld>
+  <p:clrMapOvr>
+    <a:masterClrMapping/>
+  </p:clrMapOvr>
+</p:sld>
+</file>
+
+<file path=ppt/slides/slide14.xml><?xml version="1.0" encoding="utf-8"?>
+<p:sld xmlns:a="http://schemas.openxmlformats.org/drawingml/2006/main" xmlns:r="http://schemas.openxmlformats.org/officeDocument/2006/relationships" xmlns:p="http://schemas.openxmlformats.org/presentationml/2006/main">
+  <p:cSld>
+    <p:spTree>
+      <p:nvGrpSpPr>
+        <p:cNvPr id="1" name=""/>
+        <p:cNvGrpSpPr/>
+        <p:nvPr/>
+      </p:nvGrpSpPr>
+      <p:grpSpPr>
+        <a:xfrm>
+          <a:off x="0" y="0"/>
+          <a:ext cx="0" cy="0"/>
+          <a:chOff x="0" y="0"/>
+          <a:chExt cx="0" cy="0"/>
+        </a:xfrm>
+      </p:grpSpPr>
+      <p:sp>
+        <p:nvSpPr>
+          <p:cNvPr id="2" name="Title 1"/>
+          <p:cNvSpPr>
+            <a:spLocks noGrp="1"/>
+          </p:cNvSpPr>
+          <p:nvPr>
+            <p:ph type="title"/>
+          </p:nvPr>
+        </p:nvSpPr>
+        <p:spPr/>
+        <p:txBody>
+          <a:bodyPr/>
+          <a:lstStyle/>
+          <a:p>
+            <a:r>
+              <a:rPr lang="pt-BR" dirty="0" smtClean="0"/>
+              <a:t>Modelo de Dados - </a:t>
+            </a:r>
+            <a:r>
+              <a:rPr lang="pt-BR" dirty="0" err="1" smtClean="0"/>
+              <a:t>KeySpace</a:t>
+            </a:r>
+            <a:endParaRPr lang="pt-BR" dirty="0"/>
+          </a:p>
+        </p:txBody>
+      </p:sp>
+      <p:sp>
+        <p:nvSpPr>
+          <p:cNvPr id="3" name="Content Placeholder 2"/>
+          <p:cNvSpPr>
+            <a:spLocks noGrp="1"/>
+          </p:cNvSpPr>
+          <p:nvPr>
+            <p:ph idx="1"/>
+          </p:nvPr>
+        </p:nvSpPr>
+        <p:spPr>
+          <a:xfrm>
+            <a:off x="677334" y="1422401"/>
+            <a:ext cx="8596668" cy="4618962"/>
+          </a:xfrm>
+        </p:spPr>
+        <p:txBody>
+          <a:bodyPr>
+            <a:normAutofit/>
+          </a:bodyPr>
+          <a:lstStyle/>
+          <a:p>
+            <a:pPr marL="0" indent="0">
+              <a:buNone/>
+            </a:pPr>
+            <a:r>
+              <a:rPr lang="pt-BR" dirty="0" smtClean="0"/>
+              <a:t>Alguns atributos </a:t>
+            </a:r>
+            <a:r>
+              <a:rPr lang="pt-BR" dirty="0"/>
+              <a:t>que pode ser declarado para um </a:t>
+            </a:r>
+            <a:r>
+              <a:rPr lang="pt-BR" dirty="0" err="1"/>
+              <a:t>keyspace</a:t>
+            </a:r>
+            <a:r>
+              <a:rPr lang="pt-BR" dirty="0"/>
+              <a:t>:</a:t>
+            </a:r>
+          </a:p>
+          <a:p>
+            <a:r>
+              <a:rPr lang="pt-BR" b="1" i="1" dirty="0" smtClean="0"/>
+              <a:t>Fator </a:t>
+            </a:r>
+            <a:r>
+              <a:rPr lang="pt-BR" b="1" i="1" dirty="0"/>
+              <a:t>de replicação</a:t>
+            </a:r>
+            <a:r>
+              <a:rPr lang="pt-BR" b="1" i="1" dirty="0" smtClean="0"/>
+              <a:t>:</a:t>
+            </a:r>
+          </a:p>
+          <a:p>
+            <a:pPr lvl="1"/>
+            <a:r>
+              <a:rPr lang="pt-BR" dirty="0" smtClean="0"/>
+              <a:t>É </a:t>
+            </a:r>
+            <a:r>
+              <a:rPr lang="pt-BR" dirty="0"/>
+              <a:t>responsável por declarar a quantidade de replicas que existira entre os nós de um cluster, existe vários tipos de replicação que é configurado em </a:t>
+            </a:r>
+            <a:r>
+              <a:rPr lang="pt-BR" dirty="0" smtClean="0"/>
+              <a:t>um arquivo chamado ‘</a:t>
+            </a:r>
+            <a:r>
+              <a:rPr lang="pt-BR" dirty="0" err="1" smtClean="0"/>
+              <a:t>cassandra.yaml</a:t>
+            </a:r>
+            <a:r>
+              <a:rPr lang="pt-BR" dirty="0" smtClean="0"/>
+              <a:t>’. </a:t>
+            </a:r>
+            <a:r>
+              <a:rPr lang="pt-BR" dirty="0"/>
+              <a:t>É nesse ponto que temos que analisar o que vale mais para nosso projeto, desempenho ou consistência.</a:t>
+            </a:r>
+          </a:p>
+          <a:p>
+            <a:r>
+              <a:rPr lang="pt-BR" b="1" i="1" dirty="0" smtClean="0"/>
+              <a:t>Estratégia </a:t>
+            </a:r>
+            <a:r>
+              <a:rPr lang="pt-BR" b="1" i="1" dirty="0"/>
+              <a:t>de </a:t>
+            </a:r>
+            <a:r>
+              <a:rPr lang="pt-BR" b="1" i="1" dirty="0" smtClean="0"/>
+              <a:t>colocação</a:t>
+            </a:r>
+          </a:p>
+          <a:p>
+            <a:pPr lvl="1"/>
+            <a:r>
+              <a:rPr lang="pt-BR" dirty="0" smtClean="0"/>
+              <a:t>Pode </a:t>
+            </a:r>
+            <a:r>
+              <a:rPr lang="pt-BR" dirty="0"/>
+              <a:t>ser configurado o tipo da replica como dito acima, onde pode ser utilizado </a:t>
+            </a:r>
+            <a:r>
+              <a:rPr lang="pt-BR" dirty="0" err="1"/>
+              <a:t>SimpleStrategy</a:t>
+            </a:r>
+            <a:r>
+              <a:rPr lang="pt-BR" dirty="0"/>
+              <a:t> (anteriormente conhecido como </a:t>
+            </a:r>
+            <a:r>
+              <a:rPr lang="pt-BR" dirty="0" err="1"/>
+              <a:t>RackUnawareStrategy</a:t>
+            </a:r>
+            <a:r>
+              <a:rPr lang="pt-BR" dirty="0"/>
+              <a:t>), </a:t>
+            </a:r>
+            <a:r>
+              <a:rPr lang="pt-BR" dirty="0" err="1"/>
+              <a:t>OldNetworkTopologyStrategy</a:t>
+            </a:r>
+            <a:r>
+              <a:rPr lang="pt-BR" dirty="0"/>
+              <a:t> (anteriormente conhecido como rack </a:t>
+            </a:r>
+            <a:r>
+              <a:rPr lang="pt-BR" dirty="0" err="1"/>
+              <a:t>AwareStrategy</a:t>
+            </a:r>
+            <a:r>
+              <a:rPr lang="pt-BR" dirty="0"/>
+              <a:t>), e </a:t>
+            </a:r>
+            <a:r>
+              <a:rPr lang="pt-BR" dirty="0" err="1"/>
+              <a:t>NetworkTopologyStrategy</a:t>
+            </a:r>
+            <a:r>
+              <a:rPr lang="pt-BR" dirty="0"/>
+              <a:t> (anteriormente conhecido como Datacenter-</a:t>
+            </a:r>
+            <a:r>
+              <a:rPr lang="pt-BR" dirty="0" err="1"/>
+              <a:t>ShardStrategy</a:t>
+            </a:r>
+            <a:r>
+              <a:rPr lang="pt-BR" dirty="0" smtClean="0"/>
+              <a:t>).</a:t>
+            </a:r>
+            <a:endParaRPr lang="pt-BR" dirty="0"/>
+          </a:p>
+          <a:p>
+            <a:r>
+              <a:rPr lang="pt-BR" b="1" i="1" dirty="0"/>
+              <a:t> </a:t>
+            </a:r>
+            <a:r>
+              <a:rPr lang="pt-BR" b="1" i="1" dirty="0" smtClean="0"/>
+              <a:t>Família </a:t>
+            </a:r>
+            <a:r>
+              <a:rPr lang="pt-BR" b="1" i="1" dirty="0"/>
+              <a:t>de </a:t>
+            </a:r>
+            <a:r>
+              <a:rPr lang="pt-BR" b="1" i="1" dirty="0" smtClean="0"/>
+              <a:t>coluna</a:t>
+            </a:r>
+          </a:p>
+          <a:p>
+            <a:pPr lvl="1"/>
+            <a:r>
+              <a:rPr lang="pt-BR" dirty="0" smtClean="0"/>
+              <a:t>Um </a:t>
+            </a:r>
+            <a:r>
+              <a:rPr lang="pt-BR" dirty="0" err="1"/>
+              <a:t>keyspace</a:t>
+            </a:r>
+            <a:r>
+              <a:rPr lang="pt-BR" dirty="0"/>
+              <a:t> pode conter uma ou varias famílias de colunas.</a:t>
+            </a:r>
+          </a:p>
+          <a:p>
+            <a:endParaRPr lang="pt-BR" dirty="0"/>
+          </a:p>
+        </p:txBody>
+      </p:sp>
+    </p:spTree>
+    <p:extLst>
+      <p:ext uri="{BB962C8B-B14F-4D97-AF65-F5344CB8AC3E}">
+        <p14:creationId xmlns:p14="http://schemas.microsoft.com/office/powerpoint/2010/main" val="1805970655"/>
+      </p:ext>
+    </p:extLst>
+  </p:cSld>
+  <p:clrMapOvr>
+    <a:masterClrMapping/>
+  </p:clrMapOvr>
+</p:sld>
+</file>
+
+<file path=ppt/slides/slide15.xml><?xml version="1.0" encoding="utf-8"?>
+<p:sld xmlns:a="http://schemas.openxmlformats.org/drawingml/2006/main" xmlns:r="http://schemas.openxmlformats.org/officeDocument/2006/relationships" xmlns:p="http://schemas.openxmlformats.org/presentationml/2006/main">
+  <p:cSld>
+    <p:spTree>
+      <p:nvGrpSpPr>
+        <p:cNvPr id="1" name=""/>
+        <p:cNvGrpSpPr/>
+        <p:nvPr/>
+      </p:nvGrpSpPr>
+      <p:grpSpPr>
+        <a:xfrm>
+          <a:off x="0" y="0"/>
+          <a:ext cx="0" cy="0"/>
+          <a:chOff x="0" y="0"/>
+          <a:chExt cx="0" cy="0"/>
+        </a:xfrm>
+      </p:grpSpPr>
+      <p:sp>
+        <p:nvSpPr>
+          <p:cNvPr id="2" name="Title 1"/>
+          <p:cNvSpPr>
+            <a:spLocks noGrp="1"/>
+          </p:cNvSpPr>
+          <p:nvPr>
+            <p:ph type="title"/>
+          </p:nvPr>
+        </p:nvSpPr>
+        <p:spPr/>
+        <p:txBody>
+          <a:bodyPr/>
+          <a:lstStyle/>
+          <a:p>
+            <a:r>
+              <a:rPr lang="pt-BR" dirty="0" smtClean="0"/>
+              <a:t>Modelo de Dados – </a:t>
+            </a:r>
+            <a:r>
+              <a:rPr lang="pt-BR" dirty="0" err="1" smtClean="0"/>
+              <a:t>Keyspace</a:t>
+            </a:r>
+            <a:r>
+              <a:rPr lang="pt-BR" dirty="0" smtClean="0"/>
+              <a:t>	</a:t>
+            </a:r>
+            <a:endParaRPr lang="pt-BR" dirty="0"/>
+          </a:p>
+        </p:txBody>
+      </p:sp>
+      <p:sp>
+        <p:nvSpPr>
+          <p:cNvPr id="3" name="Content Placeholder 2"/>
+          <p:cNvSpPr>
+            <a:spLocks noGrp="1"/>
+          </p:cNvSpPr>
+          <p:nvPr>
+            <p:ph idx="1"/>
+          </p:nvPr>
+        </p:nvSpPr>
+        <p:spPr/>
+        <p:txBody>
+          <a:bodyPr/>
+          <a:lstStyle/>
+          <a:p>
+            <a:r>
+              <a:rPr lang="pt-BR" b="1" dirty="0"/>
+              <a:t>Famílias de colunas</a:t>
+            </a:r>
+            <a:endParaRPr lang="pt-BR" dirty="0"/>
+          </a:p>
+          <a:p>
+            <a:pPr lvl="1"/>
+            <a:r>
+              <a:rPr lang="pt-BR" dirty="0"/>
+              <a:t>Comparando ao mundo relacional, uma família de coluna seria uma tabela em um banco de dados, onde pode receber varias linhas de registros com varias colunas, a maior diferença entre elas seria a capacidade de não ser declarado quais colunas essa tabela ira ter, pois cada linhas pode ter uma ou mais colunas e uma linha não precisa ser igual a outra.</a:t>
+            </a:r>
+            <a:br>
+              <a:rPr lang="pt-BR" dirty="0"/>
+            </a:br>
+            <a:r>
+              <a:rPr lang="pt-BR" dirty="0"/>
+              <a:t>No banco de dados relacional temos que criar uma tabela declarando as colunas, tipo, tamanho e chave estrangeira, aqui no Cassandra esse esquema é livre onde você só declara a família, e as colunas é criadas no momento que for escrever os dados.</a:t>
+            </a:r>
+          </a:p>
+          <a:p>
+            <a:endParaRPr lang="pt-BR" dirty="0"/>
+          </a:p>
+        </p:txBody>
+      </p:sp>
+      <p:pic>
+        <p:nvPicPr>
+          <p:cNvPr id="2052" name="Picture 4" descr="http://fabiorogeriosj.com.br/wp-content/uploads/2012/07/Captura-de-tela-2012-07-17-%C3%A0s-21.06.56.png"/>
+          <p:cNvPicPr>
+            <a:picLocks noChangeAspect="1" noChangeArrowheads="1"/>
+          </p:cNvPicPr>
+          <p:nvPr/>
+        </p:nvPicPr>
+        <p:blipFill>
+          <a:blip r:embed="rId2">
+            <a:extLst>
+              <a:ext uri="{28A0092B-C50C-407E-A947-70E740481C1C}">
+                <a14:useLocalDpi xmlns:a14="http://schemas.microsoft.com/office/drawing/2010/main" val="0"/>
+              </a:ext>
+            </a:extLst>
+          </a:blip>
+          <a:srcRect/>
+          <a:stretch>
+            <a:fillRect/>
+          </a:stretch>
+        </p:blipFill>
+        <p:spPr bwMode="auto">
+          <a:xfrm>
+            <a:off x="2809875" y="5117437"/>
+            <a:ext cx="3743325" cy="923925"/>
+          </a:xfrm>
+          <a:prstGeom prst="rect">
+            <a:avLst/>
+          </a:prstGeom>
+          <a:noFill/>
+          <a:extLst>
+            <a:ext uri="{909E8E84-426E-40DD-AFC4-6F175D3DCCD1}">
+              <a14:hiddenFill xmlns:a14="http://schemas.microsoft.com/office/drawing/2010/main">
+                <a:solidFill>
+                  <a:srgbClr val="FFFFFF"/>
+                </a:solidFill>
+              </a14:hiddenFill>
+            </a:ext>
+          </a:extLst>
+        </p:spPr>
+      </p:pic>
+    </p:spTree>
+    <p:extLst>
+      <p:ext uri="{BB962C8B-B14F-4D97-AF65-F5344CB8AC3E}">
+        <p14:creationId xmlns:p14="http://schemas.microsoft.com/office/powerpoint/2010/main" val="338341345"/>
+      </p:ext>
+    </p:extLst>
+  </p:cSld>
+  <p:clrMapOvr>
+    <a:masterClrMapping/>
+  </p:clrMapOvr>
+</p:sld>
+</file>
+
+<file path=ppt/slides/slide16.xml><?xml version="1.0" encoding="utf-8"?>
+<p:sld xmlns:a="http://schemas.openxmlformats.org/drawingml/2006/main" xmlns:r="http://schemas.openxmlformats.org/officeDocument/2006/relationships" xmlns:p="http://schemas.openxmlformats.org/presentationml/2006/main">
+  <p:cSld>
+    <p:spTree>
+      <p:nvGrpSpPr>
+        <p:cNvPr id="1" name=""/>
+        <p:cNvGrpSpPr/>
+        <p:nvPr/>
+      </p:nvGrpSpPr>
+      <p:grpSpPr>
+        <a:xfrm>
+          <a:off x="0" y="0"/>
+          <a:ext cx="0" cy="0"/>
+          <a:chOff x="0" y="0"/>
+          <a:chExt cx="0" cy="0"/>
+        </a:xfrm>
+      </p:grpSpPr>
+      <p:sp>
+        <p:nvSpPr>
+          <p:cNvPr id="2" name="Title 1"/>
+          <p:cNvSpPr>
+            <a:spLocks noGrp="1"/>
+          </p:cNvSpPr>
+          <p:nvPr>
+            <p:ph type="title"/>
+          </p:nvPr>
+        </p:nvSpPr>
+        <p:spPr/>
+        <p:txBody>
+          <a:bodyPr/>
+          <a:lstStyle/>
+          <a:p>
+            <a:r>
+              <a:rPr lang="pt-BR" dirty="0"/>
+              <a:t>Modelo de Dados – </a:t>
+            </a:r>
+            <a:r>
+              <a:rPr lang="pt-BR" dirty="0" smtClean="0"/>
+              <a:t>Colunas</a:t>
+            </a:r>
+            <a:r>
+              <a:rPr lang="pt-BR" dirty="0"/>
+              <a:t>	</a:t>
+            </a:r>
+          </a:p>
+        </p:txBody>
+      </p:sp>
+      <p:sp>
+        <p:nvSpPr>
+          <p:cNvPr id="3" name="Content Placeholder 2"/>
+          <p:cNvSpPr>
+            <a:spLocks noGrp="1"/>
+          </p:cNvSpPr>
+          <p:nvPr>
+            <p:ph idx="1"/>
+          </p:nvPr>
+        </p:nvSpPr>
+        <p:spPr/>
+        <p:txBody>
+          <a:bodyPr>
+            <a:normAutofit/>
+          </a:bodyPr>
+          <a:lstStyle/>
+          <a:p>
+            <a:r>
+              <a:rPr lang="pt-BR" dirty="0" smtClean="0"/>
+              <a:t>É </a:t>
+            </a:r>
+            <a:r>
+              <a:rPr lang="pt-BR" dirty="0"/>
+              <a:t>a unidade mais básica da estrutura </a:t>
+            </a:r>
+            <a:r>
+              <a:rPr lang="pt-BR" dirty="0" smtClean="0"/>
+              <a:t>Cassandra. </a:t>
+            </a:r>
+          </a:p>
+          <a:p>
+            <a:r>
+              <a:rPr lang="pt-BR" dirty="0"/>
+              <a:t>A</a:t>
+            </a:r>
+            <a:r>
+              <a:rPr lang="pt-BR" dirty="0" smtClean="0"/>
+              <a:t>pesar </a:t>
+            </a:r>
+            <a:r>
+              <a:rPr lang="pt-BR" dirty="0"/>
+              <a:t>do nome, não podemos pensar </a:t>
+            </a:r>
+            <a:r>
+              <a:rPr lang="pt-BR" dirty="0" smtClean="0"/>
+              <a:t>que é </a:t>
+            </a:r>
+            <a:r>
+              <a:rPr lang="pt-BR" dirty="0"/>
+              <a:t>igual ao de um banco de dados </a:t>
+            </a:r>
+            <a:r>
+              <a:rPr lang="pt-BR" dirty="0" smtClean="0"/>
+              <a:t>relacional</a:t>
+            </a:r>
+            <a:r>
+              <a:rPr lang="pt-BR" dirty="0"/>
+              <a:t>.</a:t>
+            </a:r>
+            <a:r>
+              <a:rPr lang="pt-BR" dirty="0" smtClean="0"/>
+              <a:t> </a:t>
+            </a:r>
+          </a:p>
+          <a:p>
+            <a:pPr lvl="1"/>
+            <a:r>
+              <a:rPr lang="pt-BR" dirty="0" smtClean="0"/>
+              <a:t>Primeiro </a:t>
+            </a:r>
+            <a:r>
+              <a:rPr lang="pt-BR" dirty="0"/>
+              <a:t>pela declaração de colunas que não existe </a:t>
+            </a:r>
+            <a:r>
+              <a:rPr lang="pt-BR" dirty="0" smtClean="0"/>
+              <a:t>aqui. </a:t>
+            </a:r>
+          </a:p>
+          <a:p>
+            <a:pPr lvl="1"/>
+            <a:r>
+              <a:rPr lang="pt-BR" dirty="0"/>
+              <a:t>E</a:t>
+            </a:r>
+            <a:r>
+              <a:rPr lang="pt-BR" dirty="0" smtClean="0"/>
+              <a:t> outra, como </a:t>
+            </a:r>
+            <a:r>
+              <a:rPr lang="pt-BR" dirty="0"/>
+              <a:t>em um banco de dados relacional declaramos primeiros os campos, se houver alguma alteração nos dados depois de 2 anos que nosso projeto esta em execução, todos as colunas da tabela será afetada pela essa alteração, em Cassandra isso não acontece pois cada coluna pode ou não existir em um família</a:t>
+            </a:r>
+            <a:r>
+              <a:rPr lang="pt-BR" dirty="0" smtClean="0"/>
+              <a:t>.</a:t>
+            </a:r>
+            <a:endParaRPr lang="pt-BR" dirty="0"/>
+          </a:p>
+        </p:txBody>
+      </p:sp>
+    </p:spTree>
+    <p:extLst>
+      <p:ext uri="{BB962C8B-B14F-4D97-AF65-F5344CB8AC3E}">
+        <p14:creationId xmlns:p14="http://schemas.microsoft.com/office/powerpoint/2010/main" val="2229143163"/>
+      </p:ext>
+    </p:extLst>
+  </p:cSld>
+  <p:clrMapOvr>
+    <a:masterClrMapping/>
+  </p:clrMapOvr>
+</p:sld>
+</file>
+
+<file path=ppt/slides/slide17.xml><?xml version="1.0" encoding="utf-8"?>
+<p:sld xmlns:a="http://schemas.openxmlformats.org/drawingml/2006/main" xmlns:r="http://schemas.openxmlformats.org/officeDocument/2006/relationships" xmlns:p="http://schemas.openxmlformats.org/presentationml/2006/main">
+  <p:cSld>
+    <p:spTree>
+      <p:nvGrpSpPr>
+        <p:cNvPr id="1" name=""/>
+        <p:cNvGrpSpPr/>
+        <p:nvPr/>
+      </p:nvGrpSpPr>
+      <p:grpSpPr>
+        <a:xfrm>
+          <a:off x="0" y="0"/>
+          <a:ext cx="0" cy="0"/>
+          <a:chOff x="0" y="0"/>
+          <a:chExt cx="0" cy="0"/>
+        </a:xfrm>
+      </p:grpSpPr>
+      <p:sp>
+        <p:nvSpPr>
+          <p:cNvPr id="2" name="Title 1"/>
+          <p:cNvSpPr>
+            <a:spLocks noGrp="1"/>
+          </p:cNvSpPr>
+          <p:nvPr>
+            <p:ph type="title"/>
+          </p:nvPr>
+        </p:nvSpPr>
+        <p:spPr/>
+        <p:txBody>
+          <a:bodyPr/>
+          <a:lstStyle/>
+          <a:p>
+            <a:r>
+              <a:rPr lang="pt-BR" dirty="0" smtClean="0"/>
+              <a:t>Modelo de Dados - Colunas</a:t>
+            </a:r>
+            <a:endParaRPr lang="pt-BR" dirty="0"/>
+          </a:p>
+        </p:txBody>
+      </p:sp>
+      <p:sp>
+        <p:nvSpPr>
+          <p:cNvPr id="3" name="Content Placeholder 2"/>
+          <p:cNvSpPr>
+            <a:spLocks noGrp="1"/>
+          </p:cNvSpPr>
+          <p:nvPr>
+            <p:ph idx="1"/>
+          </p:nvPr>
+        </p:nvSpPr>
+        <p:spPr/>
+        <p:txBody>
+          <a:bodyPr/>
+          <a:lstStyle/>
+          <a:p>
+            <a:r>
+              <a:rPr lang="pt-BR" dirty="0"/>
+              <a:t>Em Cassandra não é declarado </a:t>
+            </a:r>
+            <a:r>
+              <a:rPr lang="pt-BR" dirty="0"/>
+              <a:t/>
+            </a:r>
+            <a:br>
+              <a:rPr lang="pt-BR" dirty="0"/>
+            </a:br>
+            <a:r>
+              <a:rPr lang="pt-BR" dirty="0" smtClean="0"/>
+              <a:t>tamanho </a:t>
+            </a:r>
+            <a:r>
+              <a:rPr lang="pt-BR" dirty="0"/>
+              <a:t>de coluna, e sim sua </a:t>
+            </a:r>
+            <a:r>
+              <a:rPr lang="pt-BR" dirty="0" smtClean="0"/>
+              <a:t/>
+            </a:r>
+            <a:br>
+              <a:rPr lang="pt-BR" dirty="0" smtClean="0"/>
+            </a:br>
+            <a:r>
+              <a:rPr lang="pt-BR" dirty="0" smtClean="0"/>
+              <a:t>classificação </a:t>
+            </a:r>
+            <a:r>
+              <a:rPr lang="pt-BR" dirty="0"/>
+              <a:t>e validação</a:t>
+            </a:r>
+            <a:r>
+              <a:rPr lang="pt-BR" dirty="0" smtClean="0"/>
+              <a:t>.</a:t>
+            </a:r>
+            <a:r>
+              <a:rPr lang="pt-BR" dirty="0"/>
+              <a:t/>
+            </a:r>
+            <a:br>
+              <a:rPr lang="pt-BR" dirty="0"/>
+            </a:br>
+            <a:endParaRPr lang="pt-BR" dirty="0"/>
+          </a:p>
+        </p:txBody>
+      </p:sp>
+      <p:sp>
+        <p:nvSpPr>
+          <p:cNvPr id="5" name="Rectangle 1"/>
+          <p:cNvSpPr>
+            <a:spLocks noChangeArrowheads="1"/>
+          </p:cNvSpPr>
+          <p:nvPr/>
+        </p:nvSpPr>
+        <p:spPr bwMode="auto">
+          <a:xfrm>
+            <a:off x="3826608" y="-5900239"/>
+            <a:ext cx="27843007" cy="246221"/>
+          </a:xfrm>
+          <a:prstGeom prst="rect">
+            <a:avLst/>
+          </a:prstGeom>
+          <a:ln/>
+        </p:spPr>
+        <p:style>
+          <a:lnRef idx="2">
+            <a:schemeClr val="accent2"/>
+          </a:lnRef>
+          <a:fillRef idx="1">
+            <a:schemeClr val="lt1"/>
+          </a:fillRef>
+          <a:effectRef idx="0">
+            <a:schemeClr val="accent2"/>
+          </a:effectRef>
+          <a:fontRef idx="minor">
+            <a:schemeClr val="dk1"/>
+          </a:fontRef>
+        </p:style>
+        <p:txBody>
+          <a:bodyPr vert="horz" wrap="square" lIns="91440" tIns="45720" rIns="91440" bIns="45720" numCol="1" anchor="ctr" anchorCtr="0" compatLnSpc="1">
+            <a:prstTxWarp prst="textNoShape">
+              <a:avLst/>
+            </a:prstTxWarp>
+            <a:spAutoFit/>
+          </a:bodyPr>
+          <a:lstStyle/>
+          <a:p>
+            <a:pPr marL="0" marR="0" lvl="0" indent="0" algn="l" defTabSz="914400" rtl="0" eaLnBrk="0" fontAlgn="base" latinLnBrk="0" hangingPunct="0">
+              <a:lnSpc>
+                <a:spcPct val="100000"/>
+              </a:lnSpc>
+              <a:spcBef>
+                <a:spcPct val="0"/>
+              </a:spcBef>
+              <a:spcAft>
+                <a:spcPct val="0"/>
+              </a:spcAft>
+              <a:buClrTx/>
+              <a:buSzTx/>
+              <a:buFontTx/>
+              <a:buNone/>
+              <a:tabLst/>
+            </a:pPr>
+            <a:r>
+              <a:rPr kumimoji="0" lang="pt-BR" sz="1000" b="0" i="0" u="none" strike="noStrike" cap="none" normalizeH="0" baseline="0" smtClean="0">
+                <a:ln>
+                  <a:noFill/>
+                </a:ln>
+                <a:solidFill>
+                  <a:srgbClr val="ACAC9D"/>
+                </a:solidFill>
+                <a:effectLst/>
+                <a:latin typeface="Sanchez"/>
+              </a:rPr>
+              <a:t>Classificações:</a:t>
+            </a:r>
+            <a:endParaRPr kumimoji="0" lang="pt-BR" sz="1800" b="0" i="0" u="none" strike="noStrike" cap="none" normalizeH="0" baseline="0" smtClean="0">
+              <a:ln>
+                <a:noFill/>
+              </a:ln>
+              <a:solidFill>
+                <a:schemeClr val="tx1"/>
+              </a:solidFill>
+              <a:effectLst/>
+              <a:latin typeface="Arial" panose="020B0604020202020204" pitchFamily="34" charset="0"/>
+            </a:endParaRPr>
+          </a:p>
+        </p:txBody>
+      </p:sp>
+      <p:pic>
+        <p:nvPicPr>
+          <p:cNvPr id="6" name="Picture 5"/>
+          <p:cNvPicPr>
+            <a:picLocks noChangeAspect="1"/>
+          </p:cNvPicPr>
+          <p:nvPr/>
+        </p:nvPicPr>
+        <p:blipFill>
+          <a:blip r:embed="rId2">
+            <a:extLst>
+              <a:ext uri="{28A0092B-C50C-407E-A947-70E740481C1C}">
+                <a14:useLocalDpi xmlns:a14="http://schemas.microsoft.com/office/drawing/2010/main" val="0"/>
+              </a:ext>
+            </a:extLst>
+          </a:blip>
+          <a:stretch>
+            <a:fillRect/>
+          </a:stretch>
+        </p:blipFill>
+        <p:spPr>
+          <a:xfrm>
+            <a:off x="4585601" y="1632805"/>
+            <a:ext cx="4688401" cy="4894604"/>
+          </a:xfrm>
+          <a:prstGeom prst="rect">
+            <a:avLst/>
+          </a:prstGeom>
+        </p:spPr>
+      </p:pic>
+    </p:spTree>
+    <p:extLst>
+      <p:ext uri="{BB962C8B-B14F-4D97-AF65-F5344CB8AC3E}">
+        <p14:creationId xmlns:p14="http://schemas.microsoft.com/office/powerpoint/2010/main" val="541831983"/>
+      </p:ext>
+    </p:extLst>
+  </p:cSld>
+  <p:clrMapOvr>
+    <a:masterClrMapping/>
+  </p:clrMapOvr>
+</p:sld>
+</file>
+
+<file path=ppt/slides/slide18.xml><?xml version="1.0" encoding="utf-8"?>
+<p:sld xmlns:a="http://schemas.openxmlformats.org/drawingml/2006/main" xmlns:r="http://schemas.openxmlformats.org/officeDocument/2006/relationships" xmlns:p="http://schemas.openxmlformats.org/presentationml/2006/main">
+  <p:cSld>
+    <p:spTree>
+      <p:nvGrpSpPr>
+        <p:cNvPr id="1" name=""/>
+        <p:cNvGrpSpPr/>
+        <p:nvPr/>
+      </p:nvGrpSpPr>
+      <p:grpSpPr>
+        <a:xfrm>
+          <a:off x="0" y="0"/>
+          <a:ext cx="0" cy="0"/>
+          <a:chOff x="0" y="0"/>
+          <a:chExt cx="0" cy="0"/>
+        </a:xfrm>
+      </p:grpSpPr>
+      <p:sp>
+        <p:nvSpPr>
+          <p:cNvPr id="2" name="Title 1"/>
+          <p:cNvSpPr>
+            <a:spLocks noGrp="1"/>
+          </p:cNvSpPr>
+          <p:nvPr>
+            <p:ph type="title"/>
+          </p:nvPr>
+        </p:nvSpPr>
+        <p:spPr/>
+        <p:txBody>
+          <a:bodyPr/>
+          <a:lstStyle/>
+          <a:p>
+            <a:r>
+              <a:rPr lang="pt-BR" dirty="0" smtClean="0"/>
+              <a:t>Modelo de Dados – </a:t>
+            </a:r>
+            <a:r>
+              <a:rPr lang="pt-BR" dirty="0" err="1" smtClean="0"/>
+              <a:t>SuperColuna</a:t>
+            </a:r>
+            <a:endParaRPr lang="pt-BR" dirty="0"/>
+          </a:p>
+        </p:txBody>
+      </p:sp>
+      <p:sp>
+        <p:nvSpPr>
+          <p:cNvPr id="3" name="Content Placeholder 2"/>
+          <p:cNvSpPr>
+            <a:spLocks noGrp="1"/>
+          </p:cNvSpPr>
+          <p:nvPr>
+            <p:ph idx="1"/>
+          </p:nvPr>
+        </p:nvSpPr>
+        <p:spPr/>
+        <p:txBody>
+          <a:bodyPr/>
+          <a:lstStyle/>
+          <a:p>
+            <a:r>
+              <a:rPr lang="pt-BR" dirty="0"/>
+              <a:t>Uma </a:t>
+            </a:r>
+            <a:r>
+              <a:rPr lang="pt-BR" dirty="0" err="1"/>
+              <a:t>super</a:t>
+            </a:r>
+            <a:r>
+              <a:rPr lang="pt-BR" dirty="0"/>
+              <a:t> coluna pode receber outra coluna como valor, sendo que esse é o limite máximo de estrutura de coluna que o Cassandra pode suportar, não existindo </a:t>
+            </a:r>
+            <a:r>
+              <a:rPr lang="pt-BR" dirty="0" err="1"/>
+              <a:t>super</a:t>
+            </a:r>
+            <a:r>
+              <a:rPr lang="pt-BR" dirty="0"/>
+              <a:t> coluna de </a:t>
+            </a:r>
+            <a:r>
+              <a:rPr lang="pt-BR" dirty="0" err="1"/>
+              <a:t>super</a:t>
+            </a:r>
+            <a:r>
+              <a:rPr lang="pt-BR" dirty="0"/>
+              <a:t> coluna</a:t>
+            </a:r>
+            <a:r>
+              <a:rPr lang="pt-BR" dirty="0" smtClean="0"/>
+              <a:t>.</a:t>
+            </a:r>
+          </a:p>
+          <a:p>
+            <a:endParaRPr lang="pt-BR" dirty="0"/>
+          </a:p>
+        </p:txBody>
+      </p:sp>
+      <p:pic>
+        <p:nvPicPr>
+          <p:cNvPr id="6146" name="Picture 2" descr="http://fabiorogeriosj.com.br/wp-content/uploads/2012/07/super_column.png"/>
+          <p:cNvPicPr>
+            <a:picLocks noChangeAspect="1" noChangeArrowheads="1"/>
+          </p:cNvPicPr>
+          <p:nvPr/>
+        </p:nvPicPr>
+        <p:blipFill>
+          <a:blip r:embed="rId2">
+            <a:extLst>
+              <a:ext uri="{28A0092B-C50C-407E-A947-70E740481C1C}">
+                <a14:useLocalDpi xmlns:a14="http://schemas.microsoft.com/office/drawing/2010/main" val="0"/>
+              </a:ext>
+            </a:extLst>
+          </a:blip>
+          <a:srcRect/>
+          <a:stretch>
+            <a:fillRect/>
+          </a:stretch>
+        </p:blipFill>
+        <p:spPr bwMode="auto">
+          <a:xfrm>
+            <a:off x="3108768" y="4360568"/>
+            <a:ext cx="3733800" cy="1362075"/>
+          </a:xfrm>
+          <a:prstGeom prst="rect">
+            <a:avLst/>
+          </a:prstGeom>
+          <a:noFill/>
+          <a:extLst>
+            <a:ext uri="{909E8E84-426E-40DD-AFC4-6F175D3DCCD1}">
+              <a14:hiddenFill xmlns:a14="http://schemas.microsoft.com/office/drawing/2010/main">
+                <a:solidFill>
+                  <a:srgbClr val="FFFFFF"/>
+                </a:solidFill>
+              </a14:hiddenFill>
+            </a:ext>
+          </a:extLst>
+        </p:spPr>
+      </p:pic>
+    </p:spTree>
+    <p:extLst>
+      <p:ext uri="{BB962C8B-B14F-4D97-AF65-F5344CB8AC3E}">
+        <p14:creationId xmlns:p14="http://schemas.microsoft.com/office/powerpoint/2010/main" val="3181598086"/>
+      </p:ext>
+    </p:extLst>
+  </p:cSld>
+  <p:clrMapOvr>
+    <a:masterClrMapping/>
+  </p:clrMapOvr>
 </p:sld>
 </file>
 
@@ -19483,11 +20914,7 @@
             </a:r>
             <a:r>
               <a:rPr lang="pt-BR" dirty="0"/>
-              <a:t>vieram para suprir </a:t>
-            </a:r>
-            <a:r>
-              <a:rPr lang="pt-BR" dirty="0"/>
-              <a:t>n</a:t>
+              <a:t>vieram para suprir n</a:t>
             </a:r>
             <a:r>
               <a:rPr lang="pt-BR" dirty="0" smtClean="0"/>
@@ -19529,7 +20956,6 @@
               <a:rPr lang="pt-BR" dirty="0"/>
               <a:t>e sub colunas.</a:t>
             </a:r>
-            <a:endParaRPr lang="pt-BR" dirty="0"/>
           </a:p>
         </p:txBody>
       </p:sp>
@@ -19706,7 +21132,6 @@
               <a:rPr lang="pt-BR" dirty="0"/>
               <a:t> distribuídos. </a:t>
             </a:r>
-            <a:endParaRPr lang="pt-BR" dirty="0"/>
           </a:p>
         </p:txBody>
       </p:sp>
@@ -19863,7 +21288,6 @@
               <a:rPr lang="pt-BR" dirty="0"/>
               <a:t>servidores, não necessariamente de alta performance.</a:t>
             </a:r>
-            <a:endParaRPr lang="pt-BR" dirty="0"/>
           </a:p>
         </p:txBody>
       </p:sp>
